--- a/ppt 16-9/1003.信靠耶和华.pptx
+++ b/ppt 16-9/1003.信靠耶和华.pptx
@@ -5,7 +5,7 @@
     <p:sldMasterId id="2147483648" r:id="rId1"/>
   </p:sldMasterIdLst>
   <p:sldIdLst>
-    <p:sldId id="416" r:id="rId2"/>
+    <p:sldId id="418" r:id="rId2"/>
   </p:sldIdLst>
   <p:sldSz cx="12192000" cy="6858000"/>
   <p:notesSz cx="6858000" cy="9144000"/>
@@ -129,7 +129,7 @@
           <p:cNvPr id="2" name="标题 1">
             <a:extLst>
               <a:ext uri="{FF2B5EF4-FFF2-40B4-BE49-F238E27FC236}">
-                <a16:creationId xmlns:a16="http://schemas.microsoft.com/office/drawing/2014/main" id="{547220A3-9314-C7EE-7FB9-B73525BE6251}"/>
+                <a16:creationId xmlns:a16="http://schemas.microsoft.com/office/drawing/2014/main" id="{C2EAC953-0649-3775-A4A0-BCB8B4AEE024}"/>
               </a:ext>
             </a:extLst>
           </p:cNvPr>
@@ -166,7 +166,7 @@
           <p:cNvPr id="3" name="副标题 2">
             <a:extLst>
               <a:ext uri="{FF2B5EF4-FFF2-40B4-BE49-F238E27FC236}">
-                <a16:creationId xmlns:a16="http://schemas.microsoft.com/office/drawing/2014/main" id="{803E7113-B5B3-63A8-45B2-278765A5CB72}"/>
+                <a16:creationId xmlns:a16="http://schemas.microsoft.com/office/drawing/2014/main" id="{28BA148D-02C0-73F3-B696-30927AA93E7E}"/>
               </a:ext>
             </a:extLst>
           </p:cNvPr>
@@ -236,7 +236,7 @@
           <p:cNvPr id="4" name="日期占位符 3">
             <a:extLst>
               <a:ext uri="{FF2B5EF4-FFF2-40B4-BE49-F238E27FC236}">
-                <a16:creationId xmlns:a16="http://schemas.microsoft.com/office/drawing/2014/main" id="{7446648B-A86C-55F7-E844-B59C7DF9339D}"/>
+                <a16:creationId xmlns:a16="http://schemas.microsoft.com/office/drawing/2014/main" id="{4E6F8C96-680D-B8C5-537B-1A594AB5A987}"/>
               </a:ext>
             </a:extLst>
           </p:cNvPr>
@@ -252,7 +252,7 @@
           <a:bodyPr/>
           <a:lstStyle/>
           <a:p>
-            <a:fld id="{A5030FFA-830C-4847-BBE2-D55CD9059AB9}" type="datetimeFigureOut">
+            <a:fld id="{EE849970-13BF-473A-863D-A885894824D4}" type="datetimeFigureOut">
               <a:rPr lang="zh-CN" altLang="en-US" smtClean="0"/>
               <a:t>2024/3/10</a:t>
             </a:fld>
@@ -265,7 +265,7 @@
           <p:cNvPr id="5" name="页脚占位符 4">
             <a:extLst>
               <a:ext uri="{FF2B5EF4-FFF2-40B4-BE49-F238E27FC236}">
-                <a16:creationId xmlns:a16="http://schemas.microsoft.com/office/drawing/2014/main" id="{8EBD8B2F-18F1-5898-EC2A-EB0ACC7A0163}"/>
+                <a16:creationId xmlns:a16="http://schemas.microsoft.com/office/drawing/2014/main" id="{A0DC6FF4-9C17-C3A4-3908-9702A4399376}"/>
               </a:ext>
             </a:extLst>
           </p:cNvPr>
@@ -290,7 +290,7 @@
           <p:cNvPr id="6" name="灯片编号占位符 5">
             <a:extLst>
               <a:ext uri="{FF2B5EF4-FFF2-40B4-BE49-F238E27FC236}">
-                <a16:creationId xmlns:a16="http://schemas.microsoft.com/office/drawing/2014/main" id="{F10F6643-8FB0-7C41-E5A0-2A2B0DF788EA}"/>
+                <a16:creationId xmlns:a16="http://schemas.microsoft.com/office/drawing/2014/main" id="{D3710C1D-C4AA-AE2D-9507-5193F990892F}"/>
               </a:ext>
             </a:extLst>
           </p:cNvPr>
@@ -306,7 +306,7 @@
           <a:bodyPr/>
           <a:lstStyle/>
           <a:p>
-            <a:fld id="{6CE302AE-6B49-4DC9-A9AB-7727DFD18EA7}" type="slidenum">
+            <a:fld id="{92F2322D-2C46-4941-9505-FBADB551D6AA}" type="slidenum">
               <a:rPr lang="zh-CN" altLang="en-US" smtClean="0"/>
               <a:t>‹#›</a:t>
             </a:fld>
@@ -317,7 +317,7 @@
     </p:spTree>
     <p:extLst>
       <p:ext uri="{BB962C8B-B14F-4D97-AF65-F5344CB8AC3E}">
-        <p14:creationId xmlns:p14="http://schemas.microsoft.com/office/powerpoint/2010/main" val="2754280540"/>
+        <p14:creationId xmlns:p14="http://schemas.microsoft.com/office/powerpoint/2010/main" val="263281795"/>
       </p:ext>
     </p:extLst>
   </p:cSld>
@@ -349,7 +349,7 @@
           <p:cNvPr id="2" name="标题 1">
             <a:extLst>
               <a:ext uri="{FF2B5EF4-FFF2-40B4-BE49-F238E27FC236}">
-                <a16:creationId xmlns:a16="http://schemas.microsoft.com/office/drawing/2014/main" id="{170BCCDF-2F88-7C9B-9BB5-176408B11F46}"/>
+                <a16:creationId xmlns:a16="http://schemas.microsoft.com/office/drawing/2014/main" id="{163B6B7C-7657-8E37-2DA1-05C8D52EEAF9}"/>
               </a:ext>
             </a:extLst>
           </p:cNvPr>
@@ -377,7 +377,7 @@
           <p:cNvPr id="3" name="竖排文字占位符 2">
             <a:extLst>
               <a:ext uri="{FF2B5EF4-FFF2-40B4-BE49-F238E27FC236}">
-                <a16:creationId xmlns:a16="http://schemas.microsoft.com/office/drawing/2014/main" id="{04385479-F8C4-C948-A670-2D8989DABF79}"/>
+                <a16:creationId xmlns:a16="http://schemas.microsoft.com/office/drawing/2014/main" id="{CE7FC7FC-B872-1E1E-A43A-72D329D0CE07}"/>
               </a:ext>
             </a:extLst>
           </p:cNvPr>
@@ -434,7 +434,7 @@
           <p:cNvPr id="4" name="日期占位符 3">
             <a:extLst>
               <a:ext uri="{FF2B5EF4-FFF2-40B4-BE49-F238E27FC236}">
-                <a16:creationId xmlns:a16="http://schemas.microsoft.com/office/drawing/2014/main" id="{F865C89A-06D0-A6BC-03C5-3731ADEFE581}"/>
+                <a16:creationId xmlns:a16="http://schemas.microsoft.com/office/drawing/2014/main" id="{0BC5313B-6C90-F3CD-8C0D-9D0F2F1330CC}"/>
               </a:ext>
             </a:extLst>
           </p:cNvPr>
@@ -450,7 +450,7 @@
           <a:bodyPr/>
           <a:lstStyle/>
           <a:p>
-            <a:fld id="{A5030FFA-830C-4847-BBE2-D55CD9059AB9}" type="datetimeFigureOut">
+            <a:fld id="{EE849970-13BF-473A-863D-A885894824D4}" type="datetimeFigureOut">
               <a:rPr lang="zh-CN" altLang="en-US" smtClean="0"/>
               <a:t>2024/3/10</a:t>
             </a:fld>
@@ -463,7 +463,7 @@
           <p:cNvPr id="5" name="页脚占位符 4">
             <a:extLst>
               <a:ext uri="{FF2B5EF4-FFF2-40B4-BE49-F238E27FC236}">
-                <a16:creationId xmlns:a16="http://schemas.microsoft.com/office/drawing/2014/main" id="{027FEB2B-0EA8-1788-2EDD-04BF6E794A91}"/>
+                <a16:creationId xmlns:a16="http://schemas.microsoft.com/office/drawing/2014/main" id="{C770F0AD-0B26-51B6-4D62-D2A806CEFCD7}"/>
               </a:ext>
             </a:extLst>
           </p:cNvPr>
@@ -488,7 +488,7 @@
           <p:cNvPr id="6" name="灯片编号占位符 5">
             <a:extLst>
               <a:ext uri="{FF2B5EF4-FFF2-40B4-BE49-F238E27FC236}">
-                <a16:creationId xmlns:a16="http://schemas.microsoft.com/office/drawing/2014/main" id="{C5F79BB3-ED9A-747D-4174-3981348D4E23}"/>
+                <a16:creationId xmlns:a16="http://schemas.microsoft.com/office/drawing/2014/main" id="{BA05CE79-2F2B-1E99-366C-DF316FF359FF}"/>
               </a:ext>
             </a:extLst>
           </p:cNvPr>
@@ -504,7 +504,7 @@
           <a:bodyPr/>
           <a:lstStyle/>
           <a:p>
-            <a:fld id="{6CE302AE-6B49-4DC9-A9AB-7727DFD18EA7}" type="slidenum">
+            <a:fld id="{92F2322D-2C46-4941-9505-FBADB551D6AA}" type="slidenum">
               <a:rPr lang="zh-CN" altLang="en-US" smtClean="0"/>
               <a:t>‹#›</a:t>
             </a:fld>
@@ -515,7 +515,7 @@
     </p:spTree>
     <p:extLst>
       <p:ext uri="{BB962C8B-B14F-4D97-AF65-F5344CB8AC3E}">
-        <p14:creationId xmlns:p14="http://schemas.microsoft.com/office/powerpoint/2010/main" val="2379338466"/>
+        <p14:creationId xmlns:p14="http://schemas.microsoft.com/office/powerpoint/2010/main" val="2993927063"/>
       </p:ext>
     </p:extLst>
   </p:cSld>
@@ -547,7 +547,7 @@
           <p:cNvPr id="2" name="竖排标题 1">
             <a:extLst>
               <a:ext uri="{FF2B5EF4-FFF2-40B4-BE49-F238E27FC236}">
-                <a16:creationId xmlns:a16="http://schemas.microsoft.com/office/drawing/2014/main" id="{3AB08D1C-1C57-6BFA-79F3-22348F34605D}"/>
+                <a16:creationId xmlns:a16="http://schemas.microsoft.com/office/drawing/2014/main" id="{AC698A86-EEAF-D747-592A-72C189678106}"/>
               </a:ext>
             </a:extLst>
           </p:cNvPr>
@@ -580,7 +580,7 @@
           <p:cNvPr id="3" name="竖排文字占位符 2">
             <a:extLst>
               <a:ext uri="{FF2B5EF4-FFF2-40B4-BE49-F238E27FC236}">
-                <a16:creationId xmlns:a16="http://schemas.microsoft.com/office/drawing/2014/main" id="{7825A6CB-F10A-D58B-F48C-B6737E9802DB}"/>
+                <a16:creationId xmlns:a16="http://schemas.microsoft.com/office/drawing/2014/main" id="{DB771618-061D-41C3-F02E-2A8D22A414A3}"/>
               </a:ext>
             </a:extLst>
           </p:cNvPr>
@@ -642,7 +642,7 @@
           <p:cNvPr id="4" name="日期占位符 3">
             <a:extLst>
               <a:ext uri="{FF2B5EF4-FFF2-40B4-BE49-F238E27FC236}">
-                <a16:creationId xmlns:a16="http://schemas.microsoft.com/office/drawing/2014/main" id="{EC78EBFB-2592-AE29-C4BD-CFD14DB99216}"/>
+                <a16:creationId xmlns:a16="http://schemas.microsoft.com/office/drawing/2014/main" id="{F2B7079C-EAA4-5A47-3CAE-2D6439313D72}"/>
               </a:ext>
             </a:extLst>
           </p:cNvPr>
@@ -658,7 +658,7 @@
           <a:bodyPr/>
           <a:lstStyle/>
           <a:p>
-            <a:fld id="{A5030FFA-830C-4847-BBE2-D55CD9059AB9}" type="datetimeFigureOut">
+            <a:fld id="{EE849970-13BF-473A-863D-A885894824D4}" type="datetimeFigureOut">
               <a:rPr lang="zh-CN" altLang="en-US" smtClean="0"/>
               <a:t>2024/3/10</a:t>
             </a:fld>
@@ -671,7 +671,7 @@
           <p:cNvPr id="5" name="页脚占位符 4">
             <a:extLst>
               <a:ext uri="{FF2B5EF4-FFF2-40B4-BE49-F238E27FC236}">
-                <a16:creationId xmlns:a16="http://schemas.microsoft.com/office/drawing/2014/main" id="{05F2F279-8A4D-0AD3-3D76-FF9AF2C3F205}"/>
+                <a16:creationId xmlns:a16="http://schemas.microsoft.com/office/drawing/2014/main" id="{55743CCD-1C8D-B03C-6A23-EE94578223B8}"/>
               </a:ext>
             </a:extLst>
           </p:cNvPr>
@@ -696,7 +696,7 @@
           <p:cNvPr id="6" name="灯片编号占位符 5">
             <a:extLst>
               <a:ext uri="{FF2B5EF4-FFF2-40B4-BE49-F238E27FC236}">
-                <a16:creationId xmlns:a16="http://schemas.microsoft.com/office/drawing/2014/main" id="{5884004F-223F-B7B4-E2C4-0D7667DE2024}"/>
+                <a16:creationId xmlns:a16="http://schemas.microsoft.com/office/drawing/2014/main" id="{CAE87FEB-50E1-6CF4-386C-130D2446094D}"/>
               </a:ext>
             </a:extLst>
           </p:cNvPr>
@@ -712,7 +712,7 @@
           <a:bodyPr/>
           <a:lstStyle/>
           <a:p>
-            <a:fld id="{6CE302AE-6B49-4DC9-A9AB-7727DFD18EA7}" type="slidenum">
+            <a:fld id="{92F2322D-2C46-4941-9505-FBADB551D6AA}" type="slidenum">
               <a:rPr lang="zh-CN" altLang="en-US" smtClean="0"/>
               <a:t>‹#›</a:t>
             </a:fld>
@@ -723,7 +723,7 @@
     </p:spTree>
     <p:extLst>
       <p:ext uri="{BB962C8B-B14F-4D97-AF65-F5344CB8AC3E}">
-        <p14:creationId xmlns:p14="http://schemas.microsoft.com/office/powerpoint/2010/main" val="3048151464"/>
+        <p14:creationId xmlns:p14="http://schemas.microsoft.com/office/powerpoint/2010/main" val="1653648037"/>
       </p:ext>
     </p:extLst>
   </p:cSld>
@@ -755,7 +755,7 @@
           <p:cNvPr id="2" name="标题 1">
             <a:extLst>
               <a:ext uri="{FF2B5EF4-FFF2-40B4-BE49-F238E27FC236}">
-                <a16:creationId xmlns:a16="http://schemas.microsoft.com/office/drawing/2014/main" id="{891F8742-1574-51E4-EBF8-CDE35B225519}"/>
+                <a16:creationId xmlns:a16="http://schemas.microsoft.com/office/drawing/2014/main" id="{A1979046-C46B-2A62-609A-DA2D018820E3}"/>
               </a:ext>
             </a:extLst>
           </p:cNvPr>
@@ -783,7 +783,7 @@
           <p:cNvPr id="3" name="内容占位符 2">
             <a:extLst>
               <a:ext uri="{FF2B5EF4-FFF2-40B4-BE49-F238E27FC236}">
-                <a16:creationId xmlns:a16="http://schemas.microsoft.com/office/drawing/2014/main" id="{8FDB8CAF-7A5F-2B1E-D499-32C9CBD36E67}"/>
+                <a16:creationId xmlns:a16="http://schemas.microsoft.com/office/drawing/2014/main" id="{A5A3B639-25ED-541A-8852-3DFF6D6A3EAE}"/>
               </a:ext>
             </a:extLst>
           </p:cNvPr>
@@ -840,7 +840,7 @@
           <p:cNvPr id="4" name="日期占位符 3">
             <a:extLst>
               <a:ext uri="{FF2B5EF4-FFF2-40B4-BE49-F238E27FC236}">
-                <a16:creationId xmlns:a16="http://schemas.microsoft.com/office/drawing/2014/main" id="{F7FDD2F4-FB46-2852-3E2B-54ED8E4F27A1}"/>
+                <a16:creationId xmlns:a16="http://schemas.microsoft.com/office/drawing/2014/main" id="{A93C1B4F-690D-40FC-9DD7-7466E79AB10B}"/>
               </a:ext>
             </a:extLst>
           </p:cNvPr>
@@ -856,7 +856,7 @@
           <a:bodyPr/>
           <a:lstStyle/>
           <a:p>
-            <a:fld id="{A5030FFA-830C-4847-BBE2-D55CD9059AB9}" type="datetimeFigureOut">
+            <a:fld id="{EE849970-13BF-473A-863D-A885894824D4}" type="datetimeFigureOut">
               <a:rPr lang="zh-CN" altLang="en-US" smtClean="0"/>
               <a:t>2024/3/10</a:t>
             </a:fld>
@@ -869,7 +869,7 @@
           <p:cNvPr id="5" name="页脚占位符 4">
             <a:extLst>
               <a:ext uri="{FF2B5EF4-FFF2-40B4-BE49-F238E27FC236}">
-                <a16:creationId xmlns:a16="http://schemas.microsoft.com/office/drawing/2014/main" id="{C525A816-6360-A4AC-A8E2-06EC23CECCB1}"/>
+                <a16:creationId xmlns:a16="http://schemas.microsoft.com/office/drawing/2014/main" id="{EBF20049-4615-71E1-DB6F-685B9A184249}"/>
               </a:ext>
             </a:extLst>
           </p:cNvPr>
@@ -894,7 +894,7 @@
           <p:cNvPr id="6" name="灯片编号占位符 5">
             <a:extLst>
               <a:ext uri="{FF2B5EF4-FFF2-40B4-BE49-F238E27FC236}">
-                <a16:creationId xmlns:a16="http://schemas.microsoft.com/office/drawing/2014/main" id="{2BA0A0DF-550E-A09E-EC49-189569B20635}"/>
+                <a16:creationId xmlns:a16="http://schemas.microsoft.com/office/drawing/2014/main" id="{68B6B1E1-DB82-6EDC-376E-707204D8D2B9}"/>
               </a:ext>
             </a:extLst>
           </p:cNvPr>
@@ -910,7 +910,7 @@
           <a:bodyPr/>
           <a:lstStyle/>
           <a:p>
-            <a:fld id="{6CE302AE-6B49-4DC9-A9AB-7727DFD18EA7}" type="slidenum">
+            <a:fld id="{92F2322D-2C46-4941-9505-FBADB551D6AA}" type="slidenum">
               <a:rPr lang="zh-CN" altLang="en-US" smtClean="0"/>
               <a:t>‹#›</a:t>
             </a:fld>
@@ -921,7 +921,7 @@
     </p:spTree>
     <p:extLst>
       <p:ext uri="{BB962C8B-B14F-4D97-AF65-F5344CB8AC3E}">
-        <p14:creationId xmlns:p14="http://schemas.microsoft.com/office/powerpoint/2010/main" val="3133796663"/>
+        <p14:creationId xmlns:p14="http://schemas.microsoft.com/office/powerpoint/2010/main" val="560028043"/>
       </p:ext>
     </p:extLst>
   </p:cSld>
@@ -953,7 +953,7 @@
           <p:cNvPr id="2" name="标题 1">
             <a:extLst>
               <a:ext uri="{FF2B5EF4-FFF2-40B4-BE49-F238E27FC236}">
-                <a16:creationId xmlns:a16="http://schemas.microsoft.com/office/drawing/2014/main" id="{4C1BB9F0-4CF4-EAFD-FCD9-AAB69FBAFB45}"/>
+                <a16:creationId xmlns:a16="http://schemas.microsoft.com/office/drawing/2014/main" id="{F28FE74D-5F76-C163-A20E-4B205648D4CD}"/>
               </a:ext>
             </a:extLst>
           </p:cNvPr>
@@ -990,7 +990,7 @@
           <p:cNvPr id="3" name="文本占位符 2">
             <a:extLst>
               <a:ext uri="{FF2B5EF4-FFF2-40B4-BE49-F238E27FC236}">
-                <a16:creationId xmlns:a16="http://schemas.microsoft.com/office/drawing/2014/main" id="{19E6C541-C9A3-47F8-A11A-84D7A54D4752}"/>
+                <a16:creationId xmlns:a16="http://schemas.microsoft.com/office/drawing/2014/main" id="{3241BDB6-B20E-027B-46F0-C2C2752C8A9B}"/>
               </a:ext>
             </a:extLst>
           </p:cNvPr>
@@ -1115,7 +1115,7 @@
           <p:cNvPr id="4" name="日期占位符 3">
             <a:extLst>
               <a:ext uri="{FF2B5EF4-FFF2-40B4-BE49-F238E27FC236}">
-                <a16:creationId xmlns:a16="http://schemas.microsoft.com/office/drawing/2014/main" id="{9D5D7067-3710-98B8-501E-F1768097CEDC}"/>
+                <a16:creationId xmlns:a16="http://schemas.microsoft.com/office/drawing/2014/main" id="{39A209A4-6F45-1F45-FD76-742DD6A68F8F}"/>
               </a:ext>
             </a:extLst>
           </p:cNvPr>
@@ -1131,7 +1131,7 @@
           <a:bodyPr/>
           <a:lstStyle/>
           <a:p>
-            <a:fld id="{A5030FFA-830C-4847-BBE2-D55CD9059AB9}" type="datetimeFigureOut">
+            <a:fld id="{EE849970-13BF-473A-863D-A885894824D4}" type="datetimeFigureOut">
               <a:rPr lang="zh-CN" altLang="en-US" smtClean="0"/>
               <a:t>2024/3/10</a:t>
             </a:fld>
@@ -1144,7 +1144,7 @@
           <p:cNvPr id="5" name="页脚占位符 4">
             <a:extLst>
               <a:ext uri="{FF2B5EF4-FFF2-40B4-BE49-F238E27FC236}">
-                <a16:creationId xmlns:a16="http://schemas.microsoft.com/office/drawing/2014/main" id="{1C991324-9946-9B95-A458-EB279B6749CC}"/>
+                <a16:creationId xmlns:a16="http://schemas.microsoft.com/office/drawing/2014/main" id="{08040B5A-7117-ED79-E69E-84FC39E6EE7E}"/>
               </a:ext>
             </a:extLst>
           </p:cNvPr>
@@ -1169,7 +1169,7 @@
           <p:cNvPr id="6" name="灯片编号占位符 5">
             <a:extLst>
               <a:ext uri="{FF2B5EF4-FFF2-40B4-BE49-F238E27FC236}">
-                <a16:creationId xmlns:a16="http://schemas.microsoft.com/office/drawing/2014/main" id="{CBB9B0D4-524D-410A-57B7-F29F9461F8D2}"/>
+                <a16:creationId xmlns:a16="http://schemas.microsoft.com/office/drawing/2014/main" id="{B250595C-30C0-5E64-087D-05C899A038A7}"/>
               </a:ext>
             </a:extLst>
           </p:cNvPr>
@@ -1185,7 +1185,7 @@
           <a:bodyPr/>
           <a:lstStyle/>
           <a:p>
-            <a:fld id="{6CE302AE-6B49-4DC9-A9AB-7727DFD18EA7}" type="slidenum">
+            <a:fld id="{92F2322D-2C46-4941-9505-FBADB551D6AA}" type="slidenum">
               <a:rPr lang="zh-CN" altLang="en-US" smtClean="0"/>
               <a:t>‹#›</a:t>
             </a:fld>
@@ -1196,7 +1196,7 @@
     </p:spTree>
     <p:extLst>
       <p:ext uri="{BB962C8B-B14F-4D97-AF65-F5344CB8AC3E}">
-        <p14:creationId xmlns:p14="http://schemas.microsoft.com/office/powerpoint/2010/main" val="2259047072"/>
+        <p14:creationId xmlns:p14="http://schemas.microsoft.com/office/powerpoint/2010/main" val="1602892348"/>
       </p:ext>
     </p:extLst>
   </p:cSld>
@@ -1228,7 +1228,7 @@
           <p:cNvPr id="2" name="标题 1">
             <a:extLst>
               <a:ext uri="{FF2B5EF4-FFF2-40B4-BE49-F238E27FC236}">
-                <a16:creationId xmlns:a16="http://schemas.microsoft.com/office/drawing/2014/main" id="{E652BDAA-D3A0-8507-3861-6DF28FD77112}"/>
+                <a16:creationId xmlns:a16="http://schemas.microsoft.com/office/drawing/2014/main" id="{3E5CDDA8-0A9B-DCB4-E82A-F886674ED934}"/>
               </a:ext>
             </a:extLst>
           </p:cNvPr>
@@ -1256,7 +1256,7 @@
           <p:cNvPr id="3" name="内容占位符 2">
             <a:extLst>
               <a:ext uri="{FF2B5EF4-FFF2-40B4-BE49-F238E27FC236}">
-                <a16:creationId xmlns:a16="http://schemas.microsoft.com/office/drawing/2014/main" id="{CDE4BBC1-7B6F-0014-300C-8B5548D9EBA7}"/>
+                <a16:creationId xmlns:a16="http://schemas.microsoft.com/office/drawing/2014/main" id="{D4067742-E008-E612-22AD-18F2B3FA001C}"/>
               </a:ext>
             </a:extLst>
           </p:cNvPr>
@@ -1318,7 +1318,7 @@
           <p:cNvPr id="4" name="内容占位符 3">
             <a:extLst>
               <a:ext uri="{FF2B5EF4-FFF2-40B4-BE49-F238E27FC236}">
-                <a16:creationId xmlns:a16="http://schemas.microsoft.com/office/drawing/2014/main" id="{796D9BF5-0ECF-55D7-B68B-E145C6556E4D}"/>
+                <a16:creationId xmlns:a16="http://schemas.microsoft.com/office/drawing/2014/main" id="{07377238-1BFA-B0EC-6877-6EB1EC28E576}"/>
               </a:ext>
             </a:extLst>
           </p:cNvPr>
@@ -1380,7 +1380,7 @@
           <p:cNvPr id="5" name="日期占位符 4">
             <a:extLst>
               <a:ext uri="{FF2B5EF4-FFF2-40B4-BE49-F238E27FC236}">
-                <a16:creationId xmlns:a16="http://schemas.microsoft.com/office/drawing/2014/main" id="{EE6F0DF1-9928-7952-B4C1-EC0CA3AA2EBA}"/>
+                <a16:creationId xmlns:a16="http://schemas.microsoft.com/office/drawing/2014/main" id="{E80BAC40-7161-7667-CBE2-BE9605FFB500}"/>
               </a:ext>
             </a:extLst>
           </p:cNvPr>
@@ -1396,7 +1396,7 @@
           <a:bodyPr/>
           <a:lstStyle/>
           <a:p>
-            <a:fld id="{A5030FFA-830C-4847-BBE2-D55CD9059AB9}" type="datetimeFigureOut">
+            <a:fld id="{EE849970-13BF-473A-863D-A885894824D4}" type="datetimeFigureOut">
               <a:rPr lang="zh-CN" altLang="en-US" smtClean="0"/>
               <a:t>2024/3/10</a:t>
             </a:fld>
@@ -1409,7 +1409,7 @@
           <p:cNvPr id="6" name="页脚占位符 5">
             <a:extLst>
               <a:ext uri="{FF2B5EF4-FFF2-40B4-BE49-F238E27FC236}">
-                <a16:creationId xmlns:a16="http://schemas.microsoft.com/office/drawing/2014/main" id="{5D90874E-5766-47AE-D52D-7EFF374A55BE}"/>
+                <a16:creationId xmlns:a16="http://schemas.microsoft.com/office/drawing/2014/main" id="{E5272356-E34A-8104-AE89-6DC5F9BCA2EF}"/>
               </a:ext>
             </a:extLst>
           </p:cNvPr>
@@ -1434,7 +1434,7 @@
           <p:cNvPr id="7" name="灯片编号占位符 6">
             <a:extLst>
               <a:ext uri="{FF2B5EF4-FFF2-40B4-BE49-F238E27FC236}">
-                <a16:creationId xmlns:a16="http://schemas.microsoft.com/office/drawing/2014/main" id="{BC58A342-7B7C-FBFB-04B2-149E5DC12769}"/>
+                <a16:creationId xmlns:a16="http://schemas.microsoft.com/office/drawing/2014/main" id="{CDE3E858-A19D-3CB0-9AF5-77089678F344}"/>
               </a:ext>
             </a:extLst>
           </p:cNvPr>
@@ -1450,7 +1450,7 @@
           <a:bodyPr/>
           <a:lstStyle/>
           <a:p>
-            <a:fld id="{6CE302AE-6B49-4DC9-A9AB-7727DFD18EA7}" type="slidenum">
+            <a:fld id="{92F2322D-2C46-4941-9505-FBADB551D6AA}" type="slidenum">
               <a:rPr lang="zh-CN" altLang="en-US" smtClean="0"/>
               <a:t>‹#›</a:t>
             </a:fld>
@@ -1461,7 +1461,7 @@
     </p:spTree>
     <p:extLst>
       <p:ext uri="{BB962C8B-B14F-4D97-AF65-F5344CB8AC3E}">
-        <p14:creationId xmlns:p14="http://schemas.microsoft.com/office/powerpoint/2010/main" val="1090879099"/>
+        <p14:creationId xmlns:p14="http://schemas.microsoft.com/office/powerpoint/2010/main" val="2383628315"/>
       </p:ext>
     </p:extLst>
   </p:cSld>
@@ -1493,7 +1493,7 @@
           <p:cNvPr id="2" name="标题 1">
             <a:extLst>
               <a:ext uri="{FF2B5EF4-FFF2-40B4-BE49-F238E27FC236}">
-                <a16:creationId xmlns:a16="http://schemas.microsoft.com/office/drawing/2014/main" id="{184757BD-9A13-A7D7-F680-4DE62250359C}"/>
+                <a16:creationId xmlns:a16="http://schemas.microsoft.com/office/drawing/2014/main" id="{71F88510-4778-2215-B55C-F623F93BA114}"/>
               </a:ext>
             </a:extLst>
           </p:cNvPr>
@@ -1526,7 +1526,7 @@
           <p:cNvPr id="3" name="文本占位符 2">
             <a:extLst>
               <a:ext uri="{FF2B5EF4-FFF2-40B4-BE49-F238E27FC236}">
-                <a16:creationId xmlns:a16="http://schemas.microsoft.com/office/drawing/2014/main" id="{D2E3A260-4D7E-0405-3D4A-A2E0F62FE5D5}"/>
+                <a16:creationId xmlns:a16="http://schemas.microsoft.com/office/drawing/2014/main" id="{CBD5EEA0-C603-BC99-C870-7B32CCFE5152}"/>
               </a:ext>
             </a:extLst>
           </p:cNvPr>
@@ -1597,7 +1597,7 @@
           <p:cNvPr id="4" name="内容占位符 3">
             <a:extLst>
               <a:ext uri="{FF2B5EF4-FFF2-40B4-BE49-F238E27FC236}">
-                <a16:creationId xmlns:a16="http://schemas.microsoft.com/office/drawing/2014/main" id="{3D099FB2-3934-B6FC-01C7-1B8DEF3E0BB6}"/>
+                <a16:creationId xmlns:a16="http://schemas.microsoft.com/office/drawing/2014/main" id="{65B4045D-8405-BB28-31B7-D27C03E787CC}"/>
               </a:ext>
             </a:extLst>
           </p:cNvPr>
@@ -1659,7 +1659,7 @@
           <p:cNvPr id="5" name="文本占位符 4">
             <a:extLst>
               <a:ext uri="{FF2B5EF4-FFF2-40B4-BE49-F238E27FC236}">
-                <a16:creationId xmlns:a16="http://schemas.microsoft.com/office/drawing/2014/main" id="{77E07B4B-3BDD-E19F-1616-1172E17CC0C7}"/>
+                <a16:creationId xmlns:a16="http://schemas.microsoft.com/office/drawing/2014/main" id="{ECD85B22-3739-740C-4CA1-688C577B893A}"/>
               </a:ext>
             </a:extLst>
           </p:cNvPr>
@@ -1730,7 +1730,7 @@
           <p:cNvPr id="6" name="内容占位符 5">
             <a:extLst>
               <a:ext uri="{FF2B5EF4-FFF2-40B4-BE49-F238E27FC236}">
-                <a16:creationId xmlns:a16="http://schemas.microsoft.com/office/drawing/2014/main" id="{D8388645-7827-00A6-02D1-512FF5388C62}"/>
+                <a16:creationId xmlns:a16="http://schemas.microsoft.com/office/drawing/2014/main" id="{7D1F2B7D-E042-BCBE-1D07-9447BBA0D55D}"/>
               </a:ext>
             </a:extLst>
           </p:cNvPr>
@@ -1792,7 +1792,7 @@
           <p:cNvPr id="7" name="日期占位符 6">
             <a:extLst>
               <a:ext uri="{FF2B5EF4-FFF2-40B4-BE49-F238E27FC236}">
-                <a16:creationId xmlns:a16="http://schemas.microsoft.com/office/drawing/2014/main" id="{C0148E83-FDC2-21F5-A855-3EC748937552}"/>
+                <a16:creationId xmlns:a16="http://schemas.microsoft.com/office/drawing/2014/main" id="{68B6CD39-9B77-46C8-ACDB-25B7660806C3}"/>
               </a:ext>
             </a:extLst>
           </p:cNvPr>
@@ -1808,7 +1808,7 @@
           <a:bodyPr/>
           <a:lstStyle/>
           <a:p>
-            <a:fld id="{A5030FFA-830C-4847-BBE2-D55CD9059AB9}" type="datetimeFigureOut">
+            <a:fld id="{EE849970-13BF-473A-863D-A885894824D4}" type="datetimeFigureOut">
               <a:rPr lang="zh-CN" altLang="en-US" smtClean="0"/>
               <a:t>2024/3/10</a:t>
             </a:fld>
@@ -1821,7 +1821,7 @@
           <p:cNvPr id="8" name="页脚占位符 7">
             <a:extLst>
               <a:ext uri="{FF2B5EF4-FFF2-40B4-BE49-F238E27FC236}">
-                <a16:creationId xmlns:a16="http://schemas.microsoft.com/office/drawing/2014/main" id="{375B6463-88F0-F7F2-3EC6-11406A73EFAE}"/>
+                <a16:creationId xmlns:a16="http://schemas.microsoft.com/office/drawing/2014/main" id="{5D4849DB-5E62-80C6-9DA3-C397BA8C79E5}"/>
               </a:ext>
             </a:extLst>
           </p:cNvPr>
@@ -1846,7 +1846,7 @@
           <p:cNvPr id="9" name="灯片编号占位符 8">
             <a:extLst>
               <a:ext uri="{FF2B5EF4-FFF2-40B4-BE49-F238E27FC236}">
-                <a16:creationId xmlns:a16="http://schemas.microsoft.com/office/drawing/2014/main" id="{8103E995-9071-F758-9F59-11BF138ADDCC}"/>
+                <a16:creationId xmlns:a16="http://schemas.microsoft.com/office/drawing/2014/main" id="{15DCB577-F41F-4834-807A-ED09A7034FFB}"/>
               </a:ext>
             </a:extLst>
           </p:cNvPr>
@@ -1862,7 +1862,7 @@
           <a:bodyPr/>
           <a:lstStyle/>
           <a:p>
-            <a:fld id="{6CE302AE-6B49-4DC9-A9AB-7727DFD18EA7}" type="slidenum">
+            <a:fld id="{92F2322D-2C46-4941-9505-FBADB551D6AA}" type="slidenum">
               <a:rPr lang="zh-CN" altLang="en-US" smtClean="0"/>
               <a:t>‹#›</a:t>
             </a:fld>
@@ -1873,7 +1873,7 @@
     </p:spTree>
     <p:extLst>
       <p:ext uri="{BB962C8B-B14F-4D97-AF65-F5344CB8AC3E}">
-        <p14:creationId xmlns:p14="http://schemas.microsoft.com/office/powerpoint/2010/main" val="2007039938"/>
+        <p14:creationId xmlns:p14="http://schemas.microsoft.com/office/powerpoint/2010/main" val="3556741542"/>
       </p:ext>
     </p:extLst>
   </p:cSld>
@@ -1905,7 +1905,7 @@
           <p:cNvPr id="2" name="标题 1">
             <a:extLst>
               <a:ext uri="{FF2B5EF4-FFF2-40B4-BE49-F238E27FC236}">
-                <a16:creationId xmlns:a16="http://schemas.microsoft.com/office/drawing/2014/main" id="{6B8D51F8-7F09-1502-DC99-72AECDC6605D}"/>
+                <a16:creationId xmlns:a16="http://schemas.microsoft.com/office/drawing/2014/main" id="{2BF92710-1D04-52F6-F009-012DD66D395C}"/>
               </a:ext>
             </a:extLst>
           </p:cNvPr>
@@ -1933,7 +1933,7 @@
           <p:cNvPr id="3" name="日期占位符 2">
             <a:extLst>
               <a:ext uri="{FF2B5EF4-FFF2-40B4-BE49-F238E27FC236}">
-                <a16:creationId xmlns:a16="http://schemas.microsoft.com/office/drawing/2014/main" id="{B577C3F5-42E3-0760-35ED-A5AC91261E66}"/>
+                <a16:creationId xmlns:a16="http://schemas.microsoft.com/office/drawing/2014/main" id="{5C9509F0-F108-1421-450F-4A6A63FE74AC}"/>
               </a:ext>
             </a:extLst>
           </p:cNvPr>
@@ -1949,7 +1949,7 @@
           <a:bodyPr/>
           <a:lstStyle/>
           <a:p>
-            <a:fld id="{A5030FFA-830C-4847-BBE2-D55CD9059AB9}" type="datetimeFigureOut">
+            <a:fld id="{EE849970-13BF-473A-863D-A885894824D4}" type="datetimeFigureOut">
               <a:rPr lang="zh-CN" altLang="en-US" smtClean="0"/>
               <a:t>2024/3/10</a:t>
             </a:fld>
@@ -1962,7 +1962,7 @@
           <p:cNvPr id="4" name="页脚占位符 3">
             <a:extLst>
               <a:ext uri="{FF2B5EF4-FFF2-40B4-BE49-F238E27FC236}">
-                <a16:creationId xmlns:a16="http://schemas.microsoft.com/office/drawing/2014/main" id="{9BB6097B-CB26-D3DE-F115-CEEC491A33F2}"/>
+                <a16:creationId xmlns:a16="http://schemas.microsoft.com/office/drawing/2014/main" id="{9FCC1F77-BE5A-05E4-4A9C-920E4C37BCF0}"/>
               </a:ext>
             </a:extLst>
           </p:cNvPr>
@@ -1987,7 +1987,7 @@
           <p:cNvPr id="5" name="灯片编号占位符 4">
             <a:extLst>
               <a:ext uri="{FF2B5EF4-FFF2-40B4-BE49-F238E27FC236}">
-                <a16:creationId xmlns:a16="http://schemas.microsoft.com/office/drawing/2014/main" id="{2A2B8573-1D6A-156A-C8AC-E0C26997B2E5}"/>
+                <a16:creationId xmlns:a16="http://schemas.microsoft.com/office/drawing/2014/main" id="{86AE1C0A-B3B5-E5F1-61E6-01D8881FDF85}"/>
               </a:ext>
             </a:extLst>
           </p:cNvPr>
@@ -2003,7 +2003,7 @@
           <a:bodyPr/>
           <a:lstStyle/>
           <a:p>
-            <a:fld id="{6CE302AE-6B49-4DC9-A9AB-7727DFD18EA7}" type="slidenum">
+            <a:fld id="{92F2322D-2C46-4941-9505-FBADB551D6AA}" type="slidenum">
               <a:rPr lang="zh-CN" altLang="en-US" smtClean="0"/>
               <a:t>‹#›</a:t>
             </a:fld>
@@ -2014,7 +2014,7 @@
     </p:spTree>
     <p:extLst>
       <p:ext uri="{BB962C8B-B14F-4D97-AF65-F5344CB8AC3E}">
-        <p14:creationId xmlns:p14="http://schemas.microsoft.com/office/powerpoint/2010/main" val="1969858121"/>
+        <p14:creationId xmlns:p14="http://schemas.microsoft.com/office/powerpoint/2010/main" val="39766907"/>
       </p:ext>
     </p:extLst>
   </p:cSld>
@@ -2046,7 +2046,7 @@
           <p:cNvPr id="2" name="日期占位符 1">
             <a:extLst>
               <a:ext uri="{FF2B5EF4-FFF2-40B4-BE49-F238E27FC236}">
-                <a16:creationId xmlns:a16="http://schemas.microsoft.com/office/drawing/2014/main" id="{20308C40-C9C2-57EF-200F-15EE696513D1}"/>
+                <a16:creationId xmlns:a16="http://schemas.microsoft.com/office/drawing/2014/main" id="{B8F0999B-D7C9-4D17-5794-218902765A2A}"/>
               </a:ext>
             </a:extLst>
           </p:cNvPr>
@@ -2062,7 +2062,7 @@
           <a:bodyPr/>
           <a:lstStyle/>
           <a:p>
-            <a:fld id="{A5030FFA-830C-4847-BBE2-D55CD9059AB9}" type="datetimeFigureOut">
+            <a:fld id="{EE849970-13BF-473A-863D-A885894824D4}" type="datetimeFigureOut">
               <a:rPr lang="zh-CN" altLang="en-US" smtClean="0"/>
               <a:t>2024/3/10</a:t>
             </a:fld>
@@ -2075,7 +2075,7 @@
           <p:cNvPr id="3" name="页脚占位符 2">
             <a:extLst>
               <a:ext uri="{FF2B5EF4-FFF2-40B4-BE49-F238E27FC236}">
-                <a16:creationId xmlns:a16="http://schemas.microsoft.com/office/drawing/2014/main" id="{964F0FC1-6CC3-98DC-0A54-B5C710E2B518}"/>
+                <a16:creationId xmlns:a16="http://schemas.microsoft.com/office/drawing/2014/main" id="{A018F37D-6D67-04A5-5794-0E844FAA14B5}"/>
               </a:ext>
             </a:extLst>
           </p:cNvPr>
@@ -2100,7 +2100,7 @@
           <p:cNvPr id="4" name="灯片编号占位符 3">
             <a:extLst>
               <a:ext uri="{FF2B5EF4-FFF2-40B4-BE49-F238E27FC236}">
-                <a16:creationId xmlns:a16="http://schemas.microsoft.com/office/drawing/2014/main" id="{7EF6A596-8B22-09F2-6EC7-550A152457CC}"/>
+                <a16:creationId xmlns:a16="http://schemas.microsoft.com/office/drawing/2014/main" id="{C4E64A49-AD42-BA26-3D74-52D009D0BE6C}"/>
               </a:ext>
             </a:extLst>
           </p:cNvPr>
@@ -2116,7 +2116,7 @@
           <a:bodyPr/>
           <a:lstStyle/>
           <a:p>
-            <a:fld id="{6CE302AE-6B49-4DC9-A9AB-7727DFD18EA7}" type="slidenum">
+            <a:fld id="{92F2322D-2C46-4941-9505-FBADB551D6AA}" type="slidenum">
               <a:rPr lang="zh-CN" altLang="en-US" smtClean="0"/>
               <a:t>‹#›</a:t>
             </a:fld>
@@ -2127,7 +2127,7 @@
     </p:spTree>
     <p:extLst>
       <p:ext uri="{BB962C8B-B14F-4D97-AF65-F5344CB8AC3E}">
-        <p14:creationId xmlns:p14="http://schemas.microsoft.com/office/powerpoint/2010/main" val="2649702707"/>
+        <p14:creationId xmlns:p14="http://schemas.microsoft.com/office/powerpoint/2010/main" val="76583554"/>
       </p:ext>
     </p:extLst>
   </p:cSld>
@@ -2159,7 +2159,7 @@
           <p:cNvPr id="2" name="标题 1">
             <a:extLst>
               <a:ext uri="{FF2B5EF4-FFF2-40B4-BE49-F238E27FC236}">
-                <a16:creationId xmlns:a16="http://schemas.microsoft.com/office/drawing/2014/main" id="{BCDAF51D-101A-DC62-6CB4-457D2A10E7F4}"/>
+                <a16:creationId xmlns:a16="http://schemas.microsoft.com/office/drawing/2014/main" id="{6C4F7C03-51B5-112D-4EA9-796C7AEFBEB1}"/>
               </a:ext>
             </a:extLst>
           </p:cNvPr>
@@ -2196,7 +2196,7 @@
           <p:cNvPr id="3" name="内容占位符 2">
             <a:extLst>
               <a:ext uri="{FF2B5EF4-FFF2-40B4-BE49-F238E27FC236}">
-                <a16:creationId xmlns:a16="http://schemas.microsoft.com/office/drawing/2014/main" id="{78024ED0-D41E-051D-F8E7-905ED975122E}"/>
+                <a16:creationId xmlns:a16="http://schemas.microsoft.com/office/drawing/2014/main" id="{754E59A9-77CE-C4AE-E134-E3F0D6C7A020}"/>
               </a:ext>
             </a:extLst>
           </p:cNvPr>
@@ -2286,7 +2286,7 @@
           <p:cNvPr id="4" name="文本占位符 3">
             <a:extLst>
               <a:ext uri="{FF2B5EF4-FFF2-40B4-BE49-F238E27FC236}">
-                <a16:creationId xmlns:a16="http://schemas.microsoft.com/office/drawing/2014/main" id="{0462196D-23CC-4EAD-A5EE-C0B3A7D86A20}"/>
+                <a16:creationId xmlns:a16="http://schemas.microsoft.com/office/drawing/2014/main" id="{7DA8C4AD-9FE7-07B3-C468-EDC64589FCE5}"/>
               </a:ext>
             </a:extLst>
           </p:cNvPr>
@@ -2357,7 +2357,7 @@
           <p:cNvPr id="5" name="日期占位符 4">
             <a:extLst>
               <a:ext uri="{FF2B5EF4-FFF2-40B4-BE49-F238E27FC236}">
-                <a16:creationId xmlns:a16="http://schemas.microsoft.com/office/drawing/2014/main" id="{12A5D626-04B8-B923-F02C-E35FE872A3BD}"/>
+                <a16:creationId xmlns:a16="http://schemas.microsoft.com/office/drawing/2014/main" id="{4620674D-9765-9406-E18F-84855E496B41}"/>
               </a:ext>
             </a:extLst>
           </p:cNvPr>
@@ -2373,7 +2373,7 @@
           <a:bodyPr/>
           <a:lstStyle/>
           <a:p>
-            <a:fld id="{A5030FFA-830C-4847-BBE2-D55CD9059AB9}" type="datetimeFigureOut">
+            <a:fld id="{EE849970-13BF-473A-863D-A885894824D4}" type="datetimeFigureOut">
               <a:rPr lang="zh-CN" altLang="en-US" smtClean="0"/>
               <a:t>2024/3/10</a:t>
             </a:fld>
@@ -2386,7 +2386,7 @@
           <p:cNvPr id="6" name="页脚占位符 5">
             <a:extLst>
               <a:ext uri="{FF2B5EF4-FFF2-40B4-BE49-F238E27FC236}">
-                <a16:creationId xmlns:a16="http://schemas.microsoft.com/office/drawing/2014/main" id="{46EFFF59-8726-E337-B99D-F939541BAC9D}"/>
+                <a16:creationId xmlns:a16="http://schemas.microsoft.com/office/drawing/2014/main" id="{432C3984-E27D-8B0F-0FAC-CFAD24F1DC27}"/>
               </a:ext>
             </a:extLst>
           </p:cNvPr>
@@ -2411,7 +2411,7 @@
           <p:cNvPr id="7" name="灯片编号占位符 6">
             <a:extLst>
               <a:ext uri="{FF2B5EF4-FFF2-40B4-BE49-F238E27FC236}">
-                <a16:creationId xmlns:a16="http://schemas.microsoft.com/office/drawing/2014/main" id="{5A0F87FB-0ADC-F3FF-0783-4B8D5DE2C9F9}"/>
+                <a16:creationId xmlns:a16="http://schemas.microsoft.com/office/drawing/2014/main" id="{265ADEE3-ECF6-44D0-008D-0D7AC4313D93}"/>
               </a:ext>
             </a:extLst>
           </p:cNvPr>
@@ -2427,7 +2427,7 @@
           <a:bodyPr/>
           <a:lstStyle/>
           <a:p>
-            <a:fld id="{6CE302AE-6B49-4DC9-A9AB-7727DFD18EA7}" type="slidenum">
+            <a:fld id="{92F2322D-2C46-4941-9505-FBADB551D6AA}" type="slidenum">
               <a:rPr lang="zh-CN" altLang="en-US" smtClean="0"/>
               <a:t>‹#›</a:t>
             </a:fld>
@@ -2438,7 +2438,7 @@
     </p:spTree>
     <p:extLst>
       <p:ext uri="{BB962C8B-B14F-4D97-AF65-F5344CB8AC3E}">
-        <p14:creationId xmlns:p14="http://schemas.microsoft.com/office/powerpoint/2010/main" val="2659741368"/>
+        <p14:creationId xmlns:p14="http://schemas.microsoft.com/office/powerpoint/2010/main" val="2277020244"/>
       </p:ext>
     </p:extLst>
   </p:cSld>
@@ -2470,7 +2470,7 @@
           <p:cNvPr id="2" name="标题 1">
             <a:extLst>
               <a:ext uri="{FF2B5EF4-FFF2-40B4-BE49-F238E27FC236}">
-                <a16:creationId xmlns:a16="http://schemas.microsoft.com/office/drawing/2014/main" id="{94A8FD02-4078-470E-FCF4-91880D1F94D5}"/>
+                <a16:creationId xmlns:a16="http://schemas.microsoft.com/office/drawing/2014/main" id="{DA98AEF7-6B0E-5D90-9E76-B29907ABE356}"/>
               </a:ext>
             </a:extLst>
           </p:cNvPr>
@@ -2507,7 +2507,7 @@
           <p:cNvPr id="3" name="图片占位符 2">
             <a:extLst>
               <a:ext uri="{FF2B5EF4-FFF2-40B4-BE49-F238E27FC236}">
-                <a16:creationId xmlns:a16="http://schemas.microsoft.com/office/drawing/2014/main" id="{A1F9941E-EC94-0FF5-DE60-2B1ABBAA4305}"/>
+                <a16:creationId xmlns:a16="http://schemas.microsoft.com/office/drawing/2014/main" id="{5A706D80-682A-67AA-561F-56CC0D190808}"/>
               </a:ext>
             </a:extLst>
           </p:cNvPr>
@@ -2574,7 +2574,7 @@
           <p:cNvPr id="4" name="文本占位符 3">
             <a:extLst>
               <a:ext uri="{FF2B5EF4-FFF2-40B4-BE49-F238E27FC236}">
-                <a16:creationId xmlns:a16="http://schemas.microsoft.com/office/drawing/2014/main" id="{03EBAE56-AFC0-0409-85B6-2E75E2D266AA}"/>
+                <a16:creationId xmlns:a16="http://schemas.microsoft.com/office/drawing/2014/main" id="{AB3B6AF1-B6B3-605B-1138-C427182C4EEA}"/>
               </a:ext>
             </a:extLst>
           </p:cNvPr>
@@ -2645,7 +2645,7 @@
           <p:cNvPr id="5" name="日期占位符 4">
             <a:extLst>
               <a:ext uri="{FF2B5EF4-FFF2-40B4-BE49-F238E27FC236}">
-                <a16:creationId xmlns:a16="http://schemas.microsoft.com/office/drawing/2014/main" id="{90D16F64-A73A-9367-B1B0-0A526D2104B1}"/>
+                <a16:creationId xmlns:a16="http://schemas.microsoft.com/office/drawing/2014/main" id="{F6441023-F9F1-0C2C-6098-5E228AB79592}"/>
               </a:ext>
             </a:extLst>
           </p:cNvPr>
@@ -2661,7 +2661,7 @@
           <a:bodyPr/>
           <a:lstStyle/>
           <a:p>
-            <a:fld id="{A5030FFA-830C-4847-BBE2-D55CD9059AB9}" type="datetimeFigureOut">
+            <a:fld id="{EE849970-13BF-473A-863D-A885894824D4}" type="datetimeFigureOut">
               <a:rPr lang="zh-CN" altLang="en-US" smtClean="0"/>
               <a:t>2024/3/10</a:t>
             </a:fld>
@@ -2674,7 +2674,7 @@
           <p:cNvPr id="6" name="页脚占位符 5">
             <a:extLst>
               <a:ext uri="{FF2B5EF4-FFF2-40B4-BE49-F238E27FC236}">
-                <a16:creationId xmlns:a16="http://schemas.microsoft.com/office/drawing/2014/main" id="{68C3EFED-D3E5-ADD2-FC81-C2AE6AB7C730}"/>
+                <a16:creationId xmlns:a16="http://schemas.microsoft.com/office/drawing/2014/main" id="{A5E868AA-2CA2-461B-01C5-B9168539AF1A}"/>
               </a:ext>
             </a:extLst>
           </p:cNvPr>
@@ -2699,7 +2699,7 @@
           <p:cNvPr id="7" name="灯片编号占位符 6">
             <a:extLst>
               <a:ext uri="{FF2B5EF4-FFF2-40B4-BE49-F238E27FC236}">
-                <a16:creationId xmlns:a16="http://schemas.microsoft.com/office/drawing/2014/main" id="{E6310587-C166-B214-7996-11B597E1A360}"/>
+                <a16:creationId xmlns:a16="http://schemas.microsoft.com/office/drawing/2014/main" id="{AD57B041-D74F-6366-4FCD-38BD4E096AEA}"/>
               </a:ext>
             </a:extLst>
           </p:cNvPr>
@@ -2715,7 +2715,7 @@
           <a:bodyPr/>
           <a:lstStyle/>
           <a:p>
-            <a:fld id="{6CE302AE-6B49-4DC9-A9AB-7727DFD18EA7}" type="slidenum">
+            <a:fld id="{92F2322D-2C46-4941-9505-FBADB551D6AA}" type="slidenum">
               <a:rPr lang="zh-CN" altLang="en-US" smtClean="0"/>
               <a:t>‹#›</a:t>
             </a:fld>
@@ -2726,7 +2726,7 @@
     </p:spTree>
     <p:extLst>
       <p:ext uri="{BB962C8B-B14F-4D97-AF65-F5344CB8AC3E}">
-        <p14:creationId xmlns:p14="http://schemas.microsoft.com/office/powerpoint/2010/main" val="1437900779"/>
+        <p14:creationId xmlns:p14="http://schemas.microsoft.com/office/powerpoint/2010/main" val="1296096362"/>
       </p:ext>
     </p:extLst>
   </p:cSld>
@@ -2763,7 +2763,7 @@
           <p:cNvPr id="2" name="标题占位符 1">
             <a:extLst>
               <a:ext uri="{FF2B5EF4-FFF2-40B4-BE49-F238E27FC236}">
-                <a16:creationId xmlns:a16="http://schemas.microsoft.com/office/drawing/2014/main" id="{2B3C5E87-3B22-220E-0216-A6980DBBEEBC}"/>
+                <a16:creationId xmlns:a16="http://schemas.microsoft.com/office/drawing/2014/main" id="{7CA83719-AE9B-1CAE-8D81-4E70BB57B872}"/>
               </a:ext>
             </a:extLst>
           </p:cNvPr>
@@ -2801,7 +2801,7 @@
           <p:cNvPr id="3" name="文本占位符 2">
             <a:extLst>
               <a:ext uri="{FF2B5EF4-FFF2-40B4-BE49-F238E27FC236}">
-                <a16:creationId xmlns:a16="http://schemas.microsoft.com/office/drawing/2014/main" id="{911EFD1B-51BA-9F4E-FD17-95909E704A72}"/>
+                <a16:creationId xmlns:a16="http://schemas.microsoft.com/office/drawing/2014/main" id="{5CF93CBB-B59E-BB58-B789-A7B67345BEAD}"/>
               </a:ext>
             </a:extLst>
           </p:cNvPr>
@@ -2868,7 +2868,7 @@
           <p:cNvPr id="4" name="日期占位符 3">
             <a:extLst>
               <a:ext uri="{FF2B5EF4-FFF2-40B4-BE49-F238E27FC236}">
-                <a16:creationId xmlns:a16="http://schemas.microsoft.com/office/drawing/2014/main" id="{F7AEAB00-94EB-6A58-F0E2-3A140FE8E92B}"/>
+                <a16:creationId xmlns:a16="http://schemas.microsoft.com/office/drawing/2014/main" id="{BD5411E4-BBF5-993E-CC73-7D67BE721644}"/>
               </a:ext>
             </a:extLst>
           </p:cNvPr>
@@ -2902,7 +2902,7 @@
             </a:lvl1pPr>
           </a:lstStyle>
           <a:p>
-            <a:fld id="{A5030FFA-830C-4847-BBE2-D55CD9059AB9}" type="datetimeFigureOut">
+            <a:fld id="{EE849970-13BF-473A-863D-A885894824D4}" type="datetimeFigureOut">
               <a:rPr lang="zh-CN" altLang="en-US" smtClean="0"/>
               <a:t>2024/3/10</a:t>
             </a:fld>
@@ -2915,7 +2915,7 @@
           <p:cNvPr id="5" name="页脚占位符 4">
             <a:extLst>
               <a:ext uri="{FF2B5EF4-FFF2-40B4-BE49-F238E27FC236}">
-                <a16:creationId xmlns:a16="http://schemas.microsoft.com/office/drawing/2014/main" id="{1C57741B-E9E4-09B2-D2A0-4E80AAA56532}"/>
+                <a16:creationId xmlns:a16="http://schemas.microsoft.com/office/drawing/2014/main" id="{05A06076-64A0-2441-4D3D-E9DF512FF914}"/>
               </a:ext>
             </a:extLst>
           </p:cNvPr>
@@ -2958,7 +2958,7 @@
           <p:cNvPr id="6" name="灯片编号占位符 5">
             <a:extLst>
               <a:ext uri="{FF2B5EF4-FFF2-40B4-BE49-F238E27FC236}">
-                <a16:creationId xmlns:a16="http://schemas.microsoft.com/office/drawing/2014/main" id="{0511C284-852B-B8CB-C4BB-CA70EEFECCD7}"/>
+                <a16:creationId xmlns:a16="http://schemas.microsoft.com/office/drawing/2014/main" id="{CACC70D5-BE29-4802-7A94-CDD91BEB6C37}"/>
               </a:ext>
             </a:extLst>
           </p:cNvPr>
@@ -2992,7 +2992,7 @@
             </a:lvl1pPr>
           </a:lstStyle>
           <a:p>
-            <a:fld id="{6CE302AE-6B49-4DC9-A9AB-7727DFD18EA7}" type="slidenum">
+            <a:fld id="{92F2322D-2C46-4941-9505-FBADB551D6AA}" type="slidenum">
               <a:rPr lang="zh-CN" altLang="en-US" smtClean="0"/>
               <a:t>‹#›</a:t>
             </a:fld>
@@ -3003,7 +3003,7 @@
     </p:spTree>
     <p:extLst>
       <p:ext uri="{BB962C8B-B14F-4D97-AF65-F5344CB8AC3E}">
-        <p14:creationId xmlns:p14="http://schemas.microsoft.com/office/powerpoint/2010/main" val="2676901991"/>
+        <p14:creationId xmlns:p14="http://schemas.microsoft.com/office/powerpoint/2010/main" val="1680226330"/>
       </p:ext>
     </p:extLst>
   </p:cSld>
@@ -3323,7 +3323,7 @@
       </p:grpSpPr>
       <p:pic>
         <p:nvPicPr>
-          <p:cNvPr id="1027074" name="Picture 2" descr="1002"/>
+          <p:cNvPr id="1028098" name="Picture 2" descr="1003"/>
           <p:cNvPicPr>
             <a:picLocks noChangeAspect="1" noChangeArrowheads="1"/>
           </p:cNvPicPr>
@@ -3344,8 +3344,8 @@
         </p:blipFill>
         <p:spPr bwMode="auto">
           <a:xfrm>
-            <a:off x="1543050" y="14288"/>
-            <a:ext cx="9124950" cy="6843712"/>
+            <a:off x="1524001" y="0"/>
+            <a:ext cx="9053513" cy="6021388"/>
           </a:xfrm>
           <a:prstGeom prst="rect">
             <a:avLst/>
